--- a/Programming Made Easy - pl.pptx
+++ b/Programming Made Easy - pl.pptx
@@ -3893,7 +3893,7 @@
           <a:p>
             <a:fld id="{9D3FBBFE-677F-4CC0-BF92-950C0F009223}" type="datetimeFigureOut">
               <a:rPr lang="en-CA" smtClean="0"/>
-              <a:t>22/10/2012</a:t>
+              <a:t>24/10/2012</a:t>
             </a:fld>
             <a:endParaRPr lang="en-CA"/>
           </a:p>
@@ -4599,11 +4599,7 @@
             </a:r>
             <a:r>
               <a:rPr lang="pl-PL" baseline="0" dirty="0" smtClean="0"/>
-              <a:t> application for my wife for time tracking – there was no simple free time tracking </a:t>
-            </a:r>
-            <a:r>
-              <a:rPr lang="pl-PL" baseline="0" dirty="0" smtClean="0"/>
-              <a:t>app.</a:t>
+              <a:t> application for my wife for time tracking – there was no simple free time tracking app.</a:t>
             </a:r>
           </a:p>
           <a:p>
@@ -4712,21 +4708,13 @@
             </a:r>
             <a:r>
               <a:rPr lang="pl-PL" baseline="0" dirty="0" smtClean="0"/>
-              <a:t> specific for a particular platform (operating system). Sometimes they can be OS agnostic. Usually not so robust as native </a:t>
-            </a:r>
+              <a:t> specific for a particular platform (operating system). Sometimes they can be OS agnostic. Usually not so robust as native ones.</a:t>
+            </a:r>
+          </a:p>
+          <a:p>
             <a:r>
               <a:rPr lang="pl-PL" baseline="0" dirty="0" smtClean="0"/>
-              <a:t>ones.</a:t>
-            </a:r>
-          </a:p>
-          <a:p>
-            <a:r>
-              <a:rPr lang="pl-PL" baseline="0" dirty="0" smtClean="0"/>
-              <a:t>Web </a:t>
-            </a:r>
-            <a:r>
-              <a:rPr lang="pl-PL" baseline="0" dirty="0" smtClean="0"/>
-              <a:t>application – works on a server side, presented to a user by a browser. Usually OS and browser agnostic. Sometimes use technology that requires specific OS/browser. </a:t>
+              <a:t>Web application – works on a server side, presented to a user by a browser. Usually OS and browser agnostic. Sometimes use technology that requires specific OS/browser. </a:t>
             </a:r>
           </a:p>
           <a:p>
@@ -4736,11 +4724,7 @@
             </a:r>
             <a:r>
               <a:rPr lang="pl-PL" baseline="0" dirty="0" smtClean="0"/>
-              <a:t> machines, home </a:t>
-            </a:r>
-            <a:r>
-              <a:rPr lang="pl-PL" baseline="0" dirty="0" smtClean="0"/>
-              <a:t>automation</a:t>
+              <a:t> machines, home automation</a:t>
             </a:r>
             <a:endParaRPr lang="en-CA" dirty="0"/>
           </a:p>
@@ -5125,11 +5109,7 @@
             </a:r>
             <a:r>
               <a:rPr lang="pl-PL" baseline="0" dirty="0" smtClean="0"/>
-              <a:t> – encapsulate state and expose </a:t>
-            </a:r>
-            <a:r>
-              <a:rPr lang="pl-PL" baseline="0" dirty="0" smtClean="0"/>
-              <a:t>behaviour</a:t>
+              <a:t> – encapsulate state and expose behaviour</a:t>
             </a:r>
           </a:p>
           <a:p>
@@ -11129,7 +11109,7 @@
           <a:p>
             <a:fld id="{450045EB-F0A2-405F-866B-BCD425706225}" type="datetimeFigureOut">
               <a:rPr lang="en-CA" smtClean="0"/>
-              <a:t>22/10/2012</a:t>
+              <a:t>24/10/2012</a:t>
             </a:fld>
             <a:endParaRPr lang="en-CA"/>
           </a:p>
@@ -12222,10 +12202,10 @@
           <a:lstStyle/>
           <a:p>
             <a:r>
-              <a:rPr lang="pl-PL" sz="2400" dirty="0" smtClean="0"/>
-              <a:t>Programy komputerowe to dokumenty tekstowe</a:t>
-            </a:r>
-            <a:endParaRPr lang="en-CA" sz="2400" dirty="0"/>
+              <a:rPr lang="pl-PL" sz="2800" dirty="0" smtClean="0"/>
+              <a:t>Programy tworzy się jako dokumenty tekstowe</a:t>
+            </a:r>
+            <a:endParaRPr lang="en-CA" sz="2800" dirty="0"/>
           </a:p>
         </p:txBody>
       </p:sp>
@@ -16565,7 +16545,7 @@
                                           </p:stCondLst>
                                         </p:cTn>
                                         <p:tgtEl>
-                                          <p:spTgt spid="14345"/>
+                                          <p:spTgt spid="14347"/>
                                         </p:tgtEl>
                                         <p:attrNameLst>
                                           <p:attrName>style.visibility</p:attrName>
@@ -16579,7 +16559,7 @@
                                       <p:cBhvr>
                                         <p:cTn id="33" dur="500"/>
                                         <p:tgtEl>
-                                          <p:spTgt spid="14345"/>
+                                          <p:spTgt spid="14347"/>
                                         </p:tgtEl>
                                       </p:cBhvr>
                                     </p:animEffect>
@@ -16596,7 +16576,7 @@
                                       <p:cBhvr>
                                         <p:cTn id="35" dur="2000" fill="hold"/>
                                         <p:tgtEl>
-                                          <p:spTgt spid="14345"/>
+                                          <p:spTgt spid="14347"/>
                                         </p:tgtEl>
                                         <p:attrNameLst>
                                           <p:attrName>ppt_x</p:attrName>
@@ -16636,7 +16616,7 @@
                                       <p:cBhvr>
                                         <p:cTn id="39" dur="500"/>
                                         <p:tgtEl>
-                                          <p:spTgt spid="14345"/>
+                                          <p:spTgt spid="14347"/>
                                         </p:tgtEl>
                                       </p:cBhvr>
                                     </p:animEffect>
@@ -16648,7 +16628,7 @@
                                           </p:stCondLst>
                                         </p:cTn>
                                         <p:tgtEl>
-                                          <p:spTgt spid="14345"/>
+                                          <p:spTgt spid="14347"/>
                                         </p:tgtEl>
                                         <p:attrNameLst>
                                           <p:attrName>style.visibility</p:attrName>
@@ -16671,7 +16651,7 @@
                                       <p:cBhvr>
                                         <p:cTn id="42" dur="2000" fill="hold"/>
                                         <p:tgtEl>
-                                          <p:spTgt spid="14345"/>
+                                          <p:spTgt spid="14347"/>
                                         </p:tgtEl>
                                         <p:attrNameLst>
                                           <p:attrName>ppt_x</p:attrName>
@@ -16689,7 +16669,7 @@
                         <p:par>
                           <p:cTn id="43" fill="hold">
                             <p:stCondLst>
-                              <p:cond delay="2000"/>
+                              <p:cond delay="1000"/>
                             </p:stCondLst>
                             <p:childTnLst>
                               <p:par>
@@ -16847,7 +16827,7 @@
                                           </p:stCondLst>
                                         </p:cTn>
                                         <p:tgtEl>
-                                          <p:spTgt spid="14347"/>
+                                          <p:spTgt spid="14345"/>
                                         </p:tgtEl>
                                         <p:attrNameLst>
                                           <p:attrName>style.visibility</p:attrName>
@@ -16861,7 +16841,7 @@
                                       <p:cBhvr>
                                         <p:cTn id="59" dur="500"/>
                                         <p:tgtEl>
-                                          <p:spTgt spid="14347"/>
+                                          <p:spTgt spid="14345"/>
                                         </p:tgtEl>
                                       </p:cBhvr>
                                     </p:animEffect>
@@ -16878,7 +16858,7 @@
                                       <p:cBhvr>
                                         <p:cTn id="61" dur="2000" fill="hold"/>
                                         <p:tgtEl>
-                                          <p:spTgt spid="14347"/>
+                                          <p:spTgt spid="14345"/>
                                         </p:tgtEl>
                                         <p:attrNameLst>
                                           <p:attrName>ppt_x</p:attrName>
@@ -16918,7 +16898,7 @@
                                       <p:cBhvr>
                                         <p:cTn id="65" dur="500"/>
                                         <p:tgtEl>
-                                          <p:spTgt spid="14347"/>
+                                          <p:spTgt spid="14345"/>
                                         </p:tgtEl>
                                       </p:cBhvr>
                                     </p:animEffect>
@@ -16930,7 +16910,7 @@
                                           </p:stCondLst>
                                         </p:cTn>
                                         <p:tgtEl>
-                                          <p:spTgt spid="14347"/>
+                                          <p:spTgt spid="14345"/>
                                         </p:tgtEl>
                                         <p:attrNameLst>
                                           <p:attrName>style.visibility</p:attrName>
@@ -16953,7 +16933,7 @@
                                       <p:cBhvr>
                                         <p:cTn id="68" dur="2000" fill="hold"/>
                                         <p:tgtEl>
-                                          <p:spTgt spid="14347"/>
+                                          <p:spTgt spid="14345"/>
                                         </p:tgtEl>
                                         <p:attrNameLst>
                                           <p:attrName>ppt_x</p:attrName>
@@ -18985,11 +18965,7 @@
           <a:p>
             <a:r>
               <a:rPr lang="pl-PL" dirty="0" smtClean="0"/>
-              <a:t>Wybierz Add </a:t>
-            </a:r>
-            <a:r>
-              <a:rPr lang="pl-PL" dirty="0" smtClean="0"/>
-              <a:t>to my projects</a:t>
+              <a:t>Wybierz Add to my projects</a:t>
             </a:r>
             <a:endParaRPr lang="en-CA" dirty="0"/>
           </a:p>
@@ -19716,15 +19692,7 @@
           <a:p>
             <a:r>
               <a:rPr lang="pl-PL" dirty="0" smtClean="0"/>
-              <a:t>Zadanie 0 </a:t>
-            </a:r>
-            <a:r>
-              <a:rPr lang="pl-PL" dirty="0" smtClean="0"/>
-              <a:t>– </a:t>
-            </a:r>
-            <a:r>
-              <a:rPr lang="pl-PL" dirty="0" smtClean="0"/>
-              <a:t>zmieńmy nagłówek</a:t>
+              <a:t>Zadanie 0 – zmieńmy nagłówek</a:t>
             </a:r>
             <a:endParaRPr lang="en-CA" dirty="0"/>
           </a:p>
@@ -20670,19 +20638,7 @@
           <a:p>
             <a:r>
               <a:rPr lang="pl-PL" dirty="0" smtClean="0"/>
-              <a:t>Zadanie 1.0 </a:t>
-            </a:r>
-            <a:r>
-              <a:rPr lang="pl-PL" dirty="0" smtClean="0"/>
-              <a:t>– </a:t>
-            </a:r>
-            <a:r>
-              <a:rPr lang="pl-PL" dirty="0" smtClean="0"/>
-              <a:t>O </a:t>
-            </a:r>
-            <a:r>
-              <a:rPr lang="pl-PL" dirty="0" smtClean="0"/>
-              <a:t>MVC</a:t>
+              <a:t>Zadanie 1.0 – O MVC</a:t>
             </a:r>
             <a:endParaRPr lang="en-CA" dirty="0"/>
           </a:p>
@@ -20905,11 +20861,7 @@
           <a:p>
             <a:r>
               <a:rPr lang="pl-PL" dirty="0" smtClean="0"/>
-              <a:t>Zadanie 1.1 </a:t>
-            </a:r>
-            <a:r>
-              <a:rPr lang="pl-PL" dirty="0" smtClean="0"/>
-              <a:t>– </a:t>
+              <a:t>Zadanie 1.1 – </a:t>
             </a:r>
             <a:r>
               <a:rPr lang="pl-PL" dirty="0"/>
@@ -20986,11 +20938,7 @@
           <a:p>
             <a:r>
               <a:rPr lang="pl-PL" sz="2800" dirty="0" smtClean="0"/>
-              <a:t>VarType varName</a:t>
-            </a:r>
-            <a:r>
-              <a:rPr lang="pl-PL" sz="2800" dirty="0" smtClean="0"/>
-              <a:t>;</a:t>
+              <a:t>VarType varName;</a:t>
             </a:r>
             <a:endParaRPr lang="en-CA" sz="2800" dirty="0"/>
           </a:p>
@@ -21168,15 +21116,7 @@
           <a:p>
             <a:r>
               <a:rPr lang="pl-PL" dirty="0" smtClean="0"/>
-              <a:t>Zadanie 1.2 </a:t>
-            </a:r>
-            <a:r>
-              <a:rPr lang="pl-PL" dirty="0" smtClean="0"/>
-              <a:t>– </a:t>
-            </a:r>
-            <a:r>
-              <a:rPr lang="pl-PL" dirty="0" smtClean="0"/>
-              <a:t>Dostęp do właściwości</a:t>
+              <a:t>Zadanie 1.2 – Dostęp do właściwości</a:t>
             </a:r>
             <a:endParaRPr lang="en-CA" dirty="0"/>
           </a:p>
@@ -21201,7 +21141,6 @@
               <a:rPr lang="pl-PL" sz="2800" dirty="0" smtClean="0"/>
               <a:t>Aby pobrać wartość właściwości:</a:t>
             </a:r>
-            <a:endParaRPr lang="pl-PL" sz="2800" dirty="0" smtClean="0"/>
           </a:p>
           <a:p>
             <a:endParaRPr lang="en-CA" sz="2800" dirty="0"/>
@@ -21339,11 +21278,7 @@
           <a:p>
             <a:r>
               <a:rPr lang="pl-PL" dirty="0" smtClean="0"/>
-              <a:t>Infusion </a:t>
-            </a:r>
-            <a:r>
-              <a:rPr lang="pl-PL" dirty="0" smtClean="0"/>
-              <a:t>szuka</a:t>
+              <a:t>Infusion szuka</a:t>
             </a:r>
             <a:endParaRPr lang="en-CA" dirty="0"/>
           </a:p>
@@ -21575,15 +21510,7 @@
           <a:p>
             <a:r>
               <a:rPr lang="pl-PL" dirty="0" smtClean="0"/>
-              <a:t>Zadanie 1.3 </a:t>
-            </a:r>
-            <a:r>
-              <a:rPr lang="pl-PL" dirty="0" smtClean="0"/>
-              <a:t>– </a:t>
-            </a:r>
-            <a:r>
-              <a:rPr lang="pl-PL" dirty="0" smtClean="0"/>
-              <a:t>Wywołanie metody</a:t>
+              <a:t>Zadanie 1.3 – Wywołanie metody</a:t>
             </a:r>
             <a:endParaRPr lang="en-CA" dirty="0"/>
           </a:p>
@@ -21811,15 +21738,7 @@
           <a:p>
             <a:r>
               <a:rPr lang="pl-PL" dirty="0" smtClean="0"/>
-              <a:t>Zadanie 1.4 </a:t>
-            </a:r>
-            <a:r>
-              <a:rPr lang="pl-PL" dirty="0" smtClean="0"/>
-              <a:t>– </a:t>
-            </a:r>
-            <a:r>
-              <a:rPr lang="pl-PL" dirty="0" smtClean="0"/>
-              <a:t>Wyświetlmy rekord</a:t>
+              <a:t>Zadanie 1.4 – Wyświetlmy rekord</a:t>
             </a:r>
             <a:endParaRPr lang="en-CA" dirty="0"/>
           </a:p>
@@ -21961,11 +21880,7 @@
           <a:p>
             <a:r>
               <a:rPr lang="pl-PL" sz="2400" dirty="0" smtClean="0"/>
-              <a:t>Tą zmienną trzeba przypisać do ViewData</a:t>
-            </a:r>
-            <a:r>
-              <a:rPr lang="pl-PL" sz="2400" dirty="0" smtClean="0"/>
-              <a:t>[„Message”]</a:t>
+              <a:t>Tą zmienną trzeba przypisać do ViewData[„Message”]</a:t>
             </a:r>
             <a:endParaRPr lang="en-CA" sz="2400" dirty="0"/>
           </a:p>
@@ -22232,15 +22147,7 @@
           <a:p>
             <a:r>
               <a:rPr lang="pl-PL" dirty="0" smtClean="0"/>
-              <a:t>Zadanie 2 </a:t>
-            </a:r>
-            <a:r>
-              <a:rPr lang="pl-PL" dirty="0" smtClean="0"/>
-              <a:t>– </a:t>
-            </a:r>
-            <a:r>
-              <a:rPr lang="pl-PL" dirty="0" smtClean="0"/>
-              <a:t>Wyświetlmy rekord o konkretnym id</a:t>
+              <a:t>Zadanie 2 – Wyświetlmy rekord o konkretnym id</a:t>
             </a:r>
             <a:endParaRPr lang="en-CA" dirty="0"/>
           </a:p>
@@ -22647,11 +22554,7 @@
           <a:p>
             <a:r>
               <a:rPr lang="pl-PL" dirty="0" smtClean="0"/>
-              <a:t>Task 2.1 – </a:t>
-            </a:r>
-            <a:r>
-              <a:rPr lang="pl-PL" dirty="0" smtClean="0"/>
-              <a:t>Wyłączenie części wspólnej</a:t>
+              <a:t>Task 2.1 – Wyłączenie części wspólnej</a:t>
             </a:r>
             <a:endParaRPr lang="en-CA" dirty="0"/>
           </a:p>
@@ -22677,11 +22580,7 @@
           <a:p>
             <a:r>
               <a:rPr lang="pl-PL" dirty="0" smtClean="0"/>
-              <a:t>Pierwszy refaktoring</a:t>
-            </a:r>
-            <a:r>
-              <a:rPr lang="pl-PL" dirty="0" smtClean="0"/>
-              <a:t>!</a:t>
+              <a:t>Pierwszy refaktoring!</a:t>
             </a:r>
             <a:endParaRPr lang="en-CA" dirty="0"/>
           </a:p>
@@ -23048,15 +22947,7 @@
           <a:p>
             <a:r>
               <a:rPr lang="pl-PL" dirty="0" smtClean="0"/>
-              <a:t>Zadanie 3.0 </a:t>
-            </a:r>
-            <a:r>
-              <a:rPr lang="pl-PL" dirty="0" smtClean="0"/>
-              <a:t>– </a:t>
-            </a:r>
-            <a:r>
-              <a:rPr lang="pl-PL" dirty="0" smtClean="0"/>
-              <a:t>Operacje na zmiennych</a:t>
+              <a:t>Zadanie 3.0 – Operacje na zmiennych</a:t>
             </a:r>
             <a:endParaRPr lang="en-CA" dirty="0"/>
           </a:p>
@@ -23242,15 +23133,7 @@
           <a:p>
             <a:r>
               <a:rPr lang="pl-PL" dirty="0" smtClean="0"/>
-              <a:t>Zadanie 3.1 </a:t>
-            </a:r>
-            <a:r>
-              <a:rPr lang="pl-PL" dirty="0" smtClean="0"/>
-              <a:t>– </a:t>
-            </a:r>
-            <a:r>
-              <a:rPr lang="pl-PL" dirty="0" smtClean="0"/>
-              <a:t>wyświetlmy więcej danych</a:t>
+              <a:t>Zadanie 3.1 – wyświetlmy więcej danych</a:t>
             </a:r>
             <a:endParaRPr lang="en-CA" dirty="0"/>
           </a:p>
@@ -24221,15 +24104,7 @@
           <a:p>
             <a:r>
               <a:rPr lang="pl-PL" dirty="0" smtClean="0"/>
-              <a:t>Zadanie 3.1 </a:t>
-            </a:r>
-            <a:r>
-              <a:rPr lang="pl-PL" dirty="0" smtClean="0"/>
-              <a:t>– </a:t>
-            </a:r>
-            <a:r>
-              <a:rPr lang="pl-PL" dirty="0" smtClean="0"/>
-              <a:t>dodajmy więcej warunków!</a:t>
+              <a:t>Zadanie 3.1 – dodajmy więcej warunków!</a:t>
             </a:r>
             <a:endParaRPr lang="en-CA" dirty="0"/>
           </a:p>
@@ -24288,33 +24163,13 @@
           <a:p>
             <a:r>
               <a:rPr lang="pl-PL" sz="2800" dirty="0" smtClean="0"/>
-              <a:t>Mała (&lt;</a:t>
-            </a:r>
+              <a:t>Mała (&lt;10),</a:t>
+            </a:r>
+          </a:p>
+          <a:p>
             <a:r>
               <a:rPr lang="pl-PL" sz="2800" dirty="0" smtClean="0"/>
-              <a:t>10</a:t>
-            </a:r>
-            <a:r>
-              <a:rPr lang="pl-PL" sz="2800" dirty="0" smtClean="0"/>
-              <a:t>),</a:t>
-            </a:r>
-          </a:p>
-          <a:p>
-            <a:r>
-              <a:rPr lang="pl-PL" sz="2800" dirty="0" smtClean="0"/>
-              <a:t>średnia (10-20</a:t>
-            </a:r>
-            <a:r>
-              <a:rPr lang="pl-PL" sz="2800" dirty="0" smtClean="0"/>
-              <a:t>), </a:t>
-            </a:r>
-            <a:r>
-              <a:rPr lang="pl-PL" sz="2800" dirty="0" smtClean="0"/>
-              <a:t>duża (&gt;</a:t>
-            </a:r>
-            <a:r>
-              <a:rPr lang="pl-PL" sz="2800" dirty="0" smtClean="0"/>
-              <a:t>20)</a:t>
+              <a:t>średnia (10-20), duża (&gt;20)</a:t>
             </a:r>
             <a:endParaRPr lang="en-CA" sz="2800" dirty="0"/>
           </a:p>
@@ -24554,15 +24409,7 @@
           <a:p>
             <a:r>
               <a:rPr lang="pl-PL" dirty="0" smtClean="0"/>
-              <a:t>Zadanie 3.2 </a:t>
-            </a:r>
-            <a:r>
-              <a:rPr lang="pl-PL" dirty="0" smtClean="0"/>
-              <a:t>– </a:t>
-            </a:r>
-            <a:r>
-              <a:rPr lang="pl-PL" dirty="0" smtClean="0"/>
-              <a:t>Połączmy warunki</a:t>
+              <a:t>Zadanie 3.2 – Połączmy warunki</a:t>
             </a:r>
             <a:endParaRPr lang="en-CA" dirty="0"/>
           </a:p>
@@ -24957,15 +24804,7 @@
           <a:p>
             <a:r>
               <a:rPr lang="pl-PL" dirty="0" smtClean="0"/>
-              <a:t>Zadanie 4 </a:t>
-            </a:r>
-            <a:r>
-              <a:rPr lang="pl-PL" dirty="0" smtClean="0"/>
-              <a:t>– </a:t>
-            </a:r>
-            <a:r>
-              <a:rPr lang="pl-PL" dirty="0" smtClean="0"/>
-              <a:t>Weźmy wiele rekordów</a:t>
+              <a:t>Zadanie 4 – Weźmy wiele rekordów</a:t>
             </a:r>
             <a:endParaRPr lang="en-CA" dirty="0"/>
           </a:p>
@@ -25400,15 +25239,7 @@
           <a:p>
             <a:r>
               <a:rPr lang="pl-PL" dirty="0" smtClean="0"/>
-              <a:t>Zadanie 4.2 </a:t>
-            </a:r>
-            <a:r>
-              <a:rPr lang="pl-PL" dirty="0" smtClean="0"/>
-              <a:t>– </a:t>
-            </a:r>
-            <a:r>
-              <a:rPr lang="pl-PL" dirty="0" smtClean="0"/>
-              <a:t>Przygotujmy się do wyświetlenia większej ilości rekordów</a:t>
+              <a:t>Zadanie 4.2 – Przygotujmy się do wyświetlenia większej ilości rekordów</a:t>
             </a:r>
             <a:endParaRPr lang="en-CA" dirty="0"/>
           </a:p>
@@ -25460,11 +25291,7 @@
           <a:p>
             <a:r>
               <a:rPr lang="pl-PL" sz="2800" dirty="0" smtClean="0"/>
-              <a:t>Stwórzmy nową klasę: </a:t>
-            </a:r>
-            <a:r>
-              <a:rPr lang="pl-PL" sz="2800" dirty="0" smtClean="0"/>
-              <a:t>PrinterHelper</a:t>
+              <a:t>Stwórzmy nową klasę: PrinterHelper</a:t>
             </a:r>
             <a:endParaRPr lang="en-CA" sz="2800" dirty="0"/>
           </a:p>
@@ -25568,11 +25395,7 @@
           <a:p>
             <a:r>
               <a:rPr lang="pl-PL" dirty="0" smtClean="0"/>
-              <a:t>Niech przyjmuje CoffeeShop</a:t>
-            </a:r>
-            <a:r>
-              <a:rPr lang="pl-PL" dirty="0" smtClean="0"/>
-              <a:t>[]</a:t>
+              <a:t>Niech przyjmuje CoffeeShop[]</a:t>
             </a:r>
             <a:endParaRPr lang="en-CA" dirty="0"/>
           </a:p>
@@ -26142,15 +25965,7 @@
           <a:p>
             <a:r>
               <a:rPr lang="pl-PL" dirty="0" smtClean="0"/>
-              <a:t>Zadanie4.3 </a:t>
-            </a:r>
-            <a:r>
-              <a:rPr lang="pl-PL" dirty="0" smtClean="0"/>
-              <a:t>– </a:t>
-            </a:r>
-            <a:r>
-              <a:rPr lang="pl-PL" dirty="0" smtClean="0"/>
-              <a:t>Wypiszmy rekordy</a:t>
+              <a:t>Zadanie4.3 – Wypiszmy rekordy</a:t>
             </a:r>
             <a:endParaRPr lang="en-CA" dirty="0"/>
           </a:p>
@@ -26859,15 +26674,7 @@
           <a:p>
             <a:r>
               <a:rPr lang="pl-PL" dirty="0" smtClean="0"/>
-              <a:t>Zadanie 4.4 </a:t>
-            </a:r>
-            <a:r>
-              <a:rPr lang="pl-PL" dirty="0" smtClean="0"/>
-              <a:t>– </a:t>
-            </a:r>
-            <a:r>
-              <a:rPr lang="pl-PL" dirty="0" smtClean="0"/>
-              <a:t>Więcej formatowania warunkowego</a:t>
+              <a:t>Zadanie 4.4 – Więcej formatowania warunkowego</a:t>
             </a:r>
             <a:endParaRPr lang="en-CA" dirty="0"/>
           </a:p>
@@ -27365,23 +27172,7 @@
           <a:p>
             <a:r>
               <a:rPr lang="pl-PL" dirty="0" smtClean="0"/>
-              <a:t>Zadanie 4.5 </a:t>
-            </a:r>
-            <a:r>
-              <a:rPr lang="pl-PL" dirty="0" smtClean="0"/>
-              <a:t>– </a:t>
-            </a:r>
-            <a:r>
-              <a:rPr lang="pl-PL" dirty="0" smtClean="0"/>
-              <a:t>Formatowanie warunkowe</a:t>
-            </a:r>
-            <a:r>
-              <a:rPr lang="pl-PL" dirty="0" smtClean="0"/>
-              <a:t> </a:t>
-            </a:r>
-            <a:r>
-              <a:rPr lang="pl-PL" dirty="0" smtClean="0"/>
-              <a:t>– switch </a:t>
+              <a:t>Zadanie 4.5 – Formatowanie warunkowe – switch </a:t>
             </a:r>
             <a:endParaRPr lang="en-CA" dirty="0"/>
           </a:p>
